--- a/document/PRI_040_RWKYI_村瀬修正0823.pptx
+++ b/document/PRI_040_RWKYI_村瀬修正0823.pptx
@@ -8574,41 +8574,6 @@
       </p:sp>
       <p:pic>
         <p:nvPicPr>
-          <p:cNvPr id="7" name="図 6" descr="グラフィカル ユーザー インターフェイス, ダイアグラム&#10;&#10;自動的に生成された説明">
-            <a:extLst>
-              <a:ext uri="{FF2B5EF4-FFF2-40B4-BE49-F238E27FC236}">
-                <a16:creationId xmlns:a16="http://schemas.microsoft.com/office/drawing/2014/main" id="{32BAC963-C9A5-E89F-4520-45272D4120C8}"/>
-              </a:ext>
-            </a:extLst>
-          </p:cNvPr>
-          <p:cNvPicPr>
-            <a:picLocks noChangeAspect="1"/>
-          </p:cNvPicPr>
-          <p:nvPr/>
-        </p:nvPicPr>
-        <p:blipFill rotWithShape="1">
-          <a:blip r:embed="rId2">
-            <a:extLst>
-              <a:ext uri="{28A0092B-C50C-407E-A947-70E740481C1C}">
-                <a14:useLocalDpi xmlns:a14="http://schemas.microsoft.com/office/drawing/2010/main" val="0"/>
-              </a:ext>
-            </a:extLst>
-          </a:blip>
-          <a:srcRect l="927" r="661"/>
-          <a:stretch/>
-        </p:blipFill>
-        <p:spPr>
-          <a:xfrm>
-            <a:off x="4581166" y="2100671"/>
-            <a:ext cx="10386305" cy="8405981"/>
-          </a:xfrm>
-          <a:prstGeom prst="rect">
-            <a:avLst/>
-          </a:prstGeom>
-        </p:spPr>
-      </p:pic>
-      <p:pic>
-        <p:nvPicPr>
           <p:cNvPr id="11" name="図 10" descr="ダイアグラム&#10;&#10;自動的に生成された説明">
             <a:extLst>
               <a:ext uri="{FF2B5EF4-FFF2-40B4-BE49-F238E27FC236}">
@@ -8622,7 +8587,7 @@
           <p:nvPr/>
         </p:nvPicPr>
         <p:blipFill rotWithShape="1">
-          <a:blip r:embed="rId3">
+          <a:blip r:embed="rId2">
             <a:extLst>
               <a:ext uri="{28A0092B-C50C-407E-A947-70E740481C1C}">
                 <a14:useLocalDpi xmlns:a14="http://schemas.microsoft.com/office/drawing/2010/main" val="0"/>
@@ -8765,6 +8730,41 @@
           </a:fontRef>
         </p:style>
       </p:cxnSp>
+      <p:pic>
+        <p:nvPicPr>
+          <p:cNvPr id="3" name="図 2" descr="ダイアグラム&#10;&#10;自動的に生成された説明">
+            <a:extLst>
+              <a:ext uri="{FF2B5EF4-FFF2-40B4-BE49-F238E27FC236}">
+                <a16:creationId xmlns:a16="http://schemas.microsoft.com/office/drawing/2014/main" id="{EF156195-5FD6-3A77-6907-936660F47C02}"/>
+              </a:ext>
+            </a:extLst>
+          </p:cNvPr>
+          <p:cNvPicPr>
+            <a:picLocks noChangeAspect="1"/>
+          </p:cNvPicPr>
+          <p:nvPr/>
+        </p:nvPicPr>
+        <p:blipFill rotWithShape="1">
+          <a:blip r:embed="rId3">
+            <a:extLst>
+              <a:ext uri="{28A0092B-C50C-407E-A947-70E740481C1C}">
+                <a14:useLocalDpi xmlns:a14="http://schemas.microsoft.com/office/drawing/2010/main" val="0"/>
+              </a:ext>
+            </a:extLst>
+          </a:blip>
+          <a:srcRect l="927" r="927"/>
+          <a:stretch/>
+        </p:blipFill>
+        <p:spPr>
+          <a:xfrm>
+            <a:off x="4522551" y="2047466"/>
+            <a:ext cx="10392206" cy="8433527"/>
+          </a:xfrm>
+          <a:prstGeom prst="rect">
+            <a:avLst/>
+          </a:prstGeom>
+        </p:spPr>
+      </p:pic>
     </p:spTree>
     <p:extLst>
       <p:ext uri="{BB962C8B-B14F-4D97-AF65-F5344CB8AC3E}">
